--- a/resources/Presentation.pptx
+++ b/resources/Presentation.pptx
@@ -131,6 +131,9 @@
         </p14:section>
       </p14:sectionLst>
     </p:ext>
+    <p:ext uri="{EFAFB233-063F-42B5-8137-9DF3F51BA10A}">
+      <p15:sldGuideLst xmlns:p15="http://schemas.microsoft.com/office/powerpoint/2012/main"/>
+    </p:ext>
   </p:extLst>
 </p:presentation>
 </file>
@@ -217,7 +220,7 @@
           <a:p>
             <a:fld id="{99092D39-671F-AD40-A883-127FD8E1F2E3}" type="datetimeFigureOut">
               <a:rPr lang="en-US" smtClean="0"/>
-              <a:t>1/23/20</a:t>
+              <a:t>2/10/20</a:t>
             </a:fld>
             <a:endParaRPr lang="en-US"/>
           </a:p>
@@ -1038,7 +1041,7 @@
           <a:p>
             <a:fld id="{EA0C0817-A112-4847-8014-A94B7D2A4EA3}" type="datetime1">
               <a:rPr lang="en-US" smtClean="0"/>
-              <a:t>1/23/20</a:t>
+              <a:t>2/10/20</a:t>
             </a:fld>
             <a:endParaRPr lang="en-US" dirty="0"/>
           </a:p>
@@ -1240,7 +1243,7 @@
           <a:p>
             <a:fld id="{134F40B7-36AB-4376-BE14-EF7004D79BB9}" type="datetime1">
               <a:rPr lang="en-US" smtClean="0"/>
-              <a:t>1/23/20</a:t>
+              <a:t>2/10/20</a:t>
             </a:fld>
             <a:endParaRPr lang="en-US"/>
           </a:p>
@@ -1420,7 +1423,7 @@
           <a:p>
             <a:fld id="{FF87CAB8-DCAE-46A5-AADA-B3FAD11A54E0}" type="datetime1">
               <a:rPr lang="en-US" smtClean="0"/>
-              <a:t>1/23/20</a:t>
+              <a:t>2/10/20</a:t>
             </a:fld>
             <a:endParaRPr lang="en-US"/>
           </a:p>
@@ -1590,7 +1593,7 @@
           <a:p>
             <a:fld id="{7332B432-ACDA-4023-A761-2BAB76577B62}" type="datetime1">
               <a:rPr lang="en-US" smtClean="0"/>
-              <a:t>1/23/20</a:t>
+              <a:t>2/10/20</a:t>
             </a:fld>
             <a:endParaRPr lang="en-US"/>
           </a:p>
@@ -2189,7 +2192,7 @@
           <a:p>
             <a:fld id="{D9C646AA-F36E-4540-911D-FFFC0A0EF24A}" type="datetime1">
               <a:rPr lang="en-US" smtClean="0"/>
-              <a:t>1/23/20</a:t>
+              <a:t>2/10/20</a:t>
             </a:fld>
             <a:endParaRPr lang="en-US" dirty="0"/>
           </a:p>
@@ -2509,7 +2512,7 @@
           <a:p>
             <a:fld id="{69186D26-FA5F-4637-B602-B7C2DC34CFD4}" type="datetime1">
               <a:rPr lang="en-US" smtClean="0"/>
-              <a:t>1/23/20</a:t>
+              <a:t>2/10/20</a:t>
             </a:fld>
             <a:endParaRPr lang="en-US"/>
           </a:p>
@@ -2944,7 +2947,7 @@
           <a:p>
             <a:fld id="{8A7F15D8-96D1-4781-BC50-CA8A088B2FE4}" type="datetime1">
               <a:rPr lang="en-US" smtClean="0"/>
-              <a:t>1/23/20</a:t>
+              <a:t>2/10/20</a:t>
             </a:fld>
             <a:endParaRPr lang="en-US"/>
           </a:p>
@@ -3062,7 +3065,7 @@
           <a:p>
             <a:fld id="{F9A96C99-B8F8-4528-BD05-0E16E943DC09}" type="datetime1">
               <a:rPr lang="en-US" smtClean="0"/>
-              <a:t>1/23/20</a:t>
+              <a:t>2/10/20</a:t>
             </a:fld>
             <a:endParaRPr lang="en-US"/>
           </a:p>
@@ -3157,7 +3160,7 @@
           <a:p>
             <a:fld id="{03636942-C211-4B28-8DBD-C953E00AF71B}" type="datetime1">
               <a:rPr lang="en-US" smtClean="0"/>
-              <a:t>1/23/20</a:t>
+              <a:t>2/10/20</a:t>
             </a:fld>
             <a:endParaRPr lang="en-US"/>
           </a:p>
@@ -3574,7 +3577,7 @@
           <a:p>
             <a:fld id="{7E8D12A6-918A-48BD-8CB9-CA713993B0EA}" type="datetime1">
               <a:rPr lang="en-US" smtClean="0"/>
-              <a:t>1/23/20</a:t>
+              <a:t>2/10/20</a:t>
             </a:fld>
             <a:endParaRPr lang="en-US"/>
           </a:p>
@@ -3836,7 +3839,7 @@
             <a:fld id="{E778CE86-875F-4587-BCF6-FA054AFC0D53}" type="datetime1">
               <a:rPr lang="en-US" smtClean="0"/>
               <a:pPr/>
-              <a:t>1/23/20</a:t>
+              <a:t>2/10/20</a:t>
             </a:fld>
             <a:endParaRPr lang="en-US" dirty="0"/>
           </a:p>
@@ -4352,7 +4355,7 @@
           <a:p>
             <a:fld id="{F6FA2B21-3FCD-4721-B95C-427943F61125}" type="datetime1">
               <a:rPr lang="en-US" smtClean="0"/>
-              <a:t>1/23/20</a:t>
+              <a:t>2/10/20</a:t>
             </a:fld>
             <a:endParaRPr lang="en-US"/>
           </a:p>
@@ -6438,7 +6441,7 @@
           <p:nvPr>
             <p:extLst>
               <p:ext uri="{D42A27DB-BD31-4B8C-83A1-F6EECF244321}">
-                <p14:modId xmlns:p14="http://schemas.microsoft.com/office/powerpoint/2010/main" val="2078954982"/>
+                <p14:modId xmlns:p14="http://schemas.microsoft.com/office/powerpoint/2010/main" val="2477594993"/>
               </p:ext>
             </p:extLst>
           </p:nvPr>
@@ -6832,7 +6835,7 @@
                     <a:p>
                       <a:r>
                         <a:rPr lang="en-GB" sz="1400" dirty="0"/>
-                        <a:t>CONSTRAINTS_EDITOR</a:t>
+                        <a:t>MODULE_EDITOR</a:t>
                       </a:r>
                       <a:endParaRPr lang="en-US" sz="1400" dirty="0"/>
                     </a:p>

--- a/resources/Presentation.pptx
+++ b/resources/Presentation.pptx
@@ -5,7 +5,7 @@
     <p:sldMasterId id="2147483731" r:id="rId1"/>
   </p:sldMasterIdLst>
   <p:notesMasterIdLst>
-    <p:notesMasterId r:id="rId10"/>
+    <p:notesMasterId r:id="rId9"/>
   </p:notesMasterIdLst>
   <p:sldIdLst>
     <p:sldId id="256" r:id="rId2"/>
@@ -15,7 +15,6 @@
     <p:sldId id="261" r:id="rId6"/>
     <p:sldId id="262" r:id="rId7"/>
     <p:sldId id="260" r:id="rId8"/>
-    <p:sldId id="263" r:id="rId9"/>
   </p:sldIdLst>
   <p:sldSz cx="12192000" cy="6858000"/>
   <p:notesSz cx="6858000" cy="9144000"/>
@@ -126,7 +125,6 @@
             <p14:sldId id="261"/>
             <p14:sldId id="262"/>
             <p14:sldId id="260"/>
-            <p14:sldId id="263"/>
           </p14:sldIdLst>
         </p14:section>
       </p14:sectionLst>
@@ -220,7 +218,7 @@
           <a:p>
             <a:fld id="{99092D39-671F-AD40-A883-127FD8E1F2E3}" type="datetimeFigureOut">
               <a:rPr lang="en-US" smtClean="0"/>
-              <a:t>2/10/20</a:t>
+              <a:t>4/15/20</a:t>
             </a:fld>
             <a:endParaRPr lang="en-US"/>
           </a:p>
@@ -1041,7 +1039,7 @@
           <a:p>
             <a:fld id="{EA0C0817-A112-4847-8014-A94B7D2A4EA3}" type="datetime1">
               <a:rPr lang="en-US" smtClean="0"/>
-              <a:t>2/10/20</a:t>
+              <a:t>4/15/20</a:t>
             </a:fld>
             <a:endParaRPr lang="en-US" dirty="0"/>
           </a:p>
@@ -1243,7 +1241,7 @@
           <a:p>
             <a:fld id="{134F40B7-36AB-4376-BE14-EF7004D79BB9}" type="datetime1">
               <a:rPr lang="en-US" smtClean="0"/>
-              <a:t>2/10/20</a:t>
+              <a:t>4/15/20</a:t>
             </a:fld>
             <a:endParaRPr lang="en-US"/>
           </a:p>
@@ -1423,7 +1421,7 @@
           <a:p>
             <a:fld id="{FF87CAB8-DCAE-46A5-AADA-B3FAD11A54E0}" type="datetime1">
               <a:rPr lang="en-US" smtClean="0"/>
-              <a:t>2/10/20</a:t>
+              <a:t>4/15/20</a:t>
             </a:fld>
             <a:endParaRPr lang="en-US"/>
           </a:p>
@@ -1593,7 +1591,7 @@
           <a:p>
             <a:fld id="{7332B432-ACDA-4023-A761-2BAB76577B62}" type="datetime1">
               <a:rPr lang="en-US" smtClean="0"/>
-              <a:t>2/10/20</a:t>
+              <a:t>4/15/20</a:t>
             </a:fld>
             <a:endParaRPr lang="en-US"/>
           </a:p>
@@ -2192,7 +2190,7 @@
           <a:p>
             <a:fld id="{D9C646AA-F36E-4540-911D-FFFC0A0EF24A}" type="datetime1">
               <a:rPr lang="en-US" smtClean="0"/>
-              <a:t>2/10/20</a:t>
+              <a:t>4/15/20</a:t>
             </a:fld>
             <a:endParaRPr lang="en-US" dirty="0"/>
           </a:p>
@@ -2512,7 +2510,7 @@
           <a:p>
             <a:fld id="{69186D26-FA5F-4637-B602-B7C2DC34CFD4}" type="datetime1">
               <a:rPr lang="en-US" smtClean="0"/>
-              <a:t>2/10/20</a:t>
+              <a:t>4/15/20</a:t>
             </a:fld>
             <a:endParaRPr lang="en-US"/>
           </a:p>
@@ -2947,7 +2945,7 @@
           <a:p>
             <a:fld id="{8A7F15D8-96D1-4781-BC50-CA8A088B2FE4}" type="datetime1">
               <a:rPr lang="en-US" smtClean="0"/>
-              <a:t>2/10/20</a:t>
+              <a:t>4/15/20</a:t>
             </a:fld>
             <a:endParaRPr lang="en-US"/>
           </a:p>
@@ -3065,7 +3063,7 @@
           <a:p>
             <a:fld id="{F9A96C99-B8F8-4528-BD05-0E16E943DC09}" type="datetime1">
               <a:rPr lang="en-US" smtClean="0"/>
-              <a:t>2/10/20</a:t>
+              <a:t>4/15/20</a:t>
             </a:fld>
             <a:endParaRPr lang="en-US"/>
           </a:p>
@@ -3160,7 +3158,7 @@
           <a:p>
             <a:fld id="{03636942-C211-4B28-8DBD-C953E00AF71B}" type="datetime1">
               <a:rPr lang="en-US" smtClean="0"/>
-              <a:t>2/10/20</a:t>
+              <a:t>4/15/20</a:t>
             </a:fld>
             <a:endParaRPr lang="en-US"/>
           </a:p>
@@ -3577,7 +3575,7 @@
           <a:p>
             <a:fld id="{7E8D12A6-918A-48BD-8CB9-CA713993B0EA}" type="datetime1">
               <a:rPr lang="en-US" smtClean="0"/>
-              <a:t>2/10/20</a:t>
+              <a:t>4/15/20</a:t>
             </a:fld>
             <a:endParaRPr lang="en-US"/>
           </a:p>
@@ -3839,7 +3837,7 @@
             <a:fld id="{E778CE86-875F-4587-BCF6-FA054AFC0D53}" type="datetime1">
               <a:rPr lang="en-US" smtClean="0"/>
               <a:pPr/>
-              <a:t>2/10/20</a:t>
+              <a:t>4/15/20</a:t>
             </a:fld>
             <a:endParaRPr lang="en-US" dirty="0"/>
           </a:p>
@@ -4355,7 +4353,7 @@
           <a:p>
             <a:fld id="{F6FA2B21-3FCD-4721-B95C-427943F61125}" type="datetime1">
               <a:rPr lang="en-US" smtClean="0"/>
-              <a:t>2/10/20</a:t>
+              <a:t>4/15/20</a:t>
             </a:fld>
             <a:endParaRPr lang="en-US"/>
           </a:p>
@@ -4855,7 +4853,7 @@
         </p:blipFill>
         <p:spPr>
           <a:xfrm>
-            <a:off x="20" y="10"/>
+            <a:off x="21" y="259502"/>
             <a:ext cx="12191979" cy="6857990"/>
           </a:xfrm>
           <a:prstGeom prst="rect">
@@ -4981,22 +4979,15 @@
           <a:lstStyle/>
           <a:p>
             <a:r>
-              <a:rPr lang="en-US" sz="5800"/>
+              <a:rPr lang="en-US" sz="5800" dirty="0"/>
               <a:t>Security </a:t>
             </a:r>
             <a:br>
-              <a:rPr lang="en-US" sz="5800"/>
+              <a:rPr lang="en-US" sz="5800" dirty="0"/>
             </a:br>
             <a:r>
-              <a:rPr lang="en-US" sz="5800"/>
-              <a:t>Token </a:t>
-            </a:r>
-            <a:br>
-              <a:rPr lang="en-US" sz="5800"/>
-            </a:br>
-            <a:r>
-              <a:rPr lang="en-US" sz="5800"/>
-              <a:t>2.0</a:t>
+              <a:rPr lang="en-US" sz="5800" dirty="0"/>
+              <a:t>Token 2.0</a:t>
             </a:r>
           </a:p>
         </p:txBody>
@@ -5233,6 +5224,42 @@
           </a:fontRef>
         </p:style>
       </p:cxnSp>
+      <p:sp>
+        <p:nvSpPr>
+          <p:cNvPr id="3" name="TextBox 2">
+            <a:extLst>
+              <a:ext uri="{FF2B5EF4-FFF2-40B4-BE49-F238E27FC236}">
+                <a16:creationId xmlns:a16="http://schemas.microsoft.com/office/drawing/2014/main" id="{8F4CA505-F64E-5944-AB9C-A2D7009DED91}"/>
+              </a:ext>
+            </a:extLst>
+          </p:cNvPr>
+          <p:cNvSpPr txBox="1"/>
+          <p:nvPr/>
+        </p:nvSpPr>
+        <p:spPr>
+          <a:xfrm>
+            <a:off x="4817075" y="4566710"/>
+            <a:ext cx="2557849" cy="369332"/>
+          </a:xfrm>
+          <a:prstGeom prst="rect">
+            <a:avLst/>
+          </a:prstGeom>
+          <a:noFill/>
+        </p:spPr>
+        <p:txBody>
+          <a:bodyPr wrap="square" rtlCol="0">
+            <a:spAutoFit/>
+          </a:bodyPr>
+          <a:lstStyle/>
+          <a:p>
+            <a:pPr algn="ctr"/>
+            <a:r>
+              <a:rPr lang="en-US" dirty="0"/>
+              <a:t>by micobo ©</a:t>
+            </a:r>
+          </a:p>
+        </p:txBody>
+      </p:sp>
     </p:spTree>
     <p:extLst>
       <p:ext uri="{BB962C8B-B14F-4D97-AF65-F5344CB8AC3E}">
@@ -8030,66 +8057,6 @@
 </p:sld>
 </file>
 
-<file path=ppt/slides/slide8.xml><?xml version="1.0" encoding="utf-8"?>
-<p:sld xmlns:a="http://schemas.openxmlformats.org/drawingml/2006/main" xmlns:r="http://schemas.openxmlformats.org/officeDocument/2006/relationships" xmlns:p="http://schemas.openxmlformats.org/presentationml/2006/main">
-  <p:cSld>
-    <p:spTree>
-      <p:nvGrpSpPr>
-        <p:cNvPr id="1" name=""/>
-        <p:cNvGrpSpPr/>
-        <p:nvPr/>
-      </p:nvGrpSpPr>
-      <p:grpSpPr>
-        <a:xfrm>
-          <a:off x="0" y="0"/>
-          <a:ext cx="0" cy="0"/>
-          <a:chOff x="0" y="0"/>
-          <a:chExt cx="0" cy="0"/>
-        </a:xfrm>
-      </p:grpSpPr>
-      <p:pic>
-        <p:nvPicPr>
-          <p:cNvPr id="4" name="Picture 3">
-            <a:extLst>
-              <a:ext uri="{FF2B5EF4-FFF2-40B4-BE49-F238E27FC236}">
-                <a16:creationId xmlns:a16="http://schemas.microsoft.com/office/drawing/2014/main" id="{2C6B17B9-FC93-FD43-B5CC-1E33BE57A3A1}"/>
-              </a:ext>
-            </a:extLst>
-          </p:cNvPr>
-          <p:cNvPicPr>
-            <a:picLocks noChangeAspect="1"/>
-          </p:cNvPicPr>
-          <p:nvPr/>
-        </p:nvPicPr>
-        <p:blipFill>
-          <a:blip r:embed="rId2"/>
-          <a:stretch>
-            <a:fillRect/>
-          </a:stretch>
-        </p:blipFill>
-        <p:spPr>
-          <a:xfrm>
-            <a:off x="1049866" y="590550"/>
-            <a:ext cx="10092267" cy="5676900"/>
-          </a:xfrm>
-          <a:prstGeom prst="rect">
-            <a:avLst/>
-          </a:prstGeom>
-        </p:spPr>
-      </p:pic>
-    </p:spTree>
-    <p:extLst>
-      <p:ext uri="{BB962C8B-B14F-4D97-AF65-F5344CB8AC3E}">
-        <p14:creationId xmlns:p14="http://schemas.microsoft.com/office/powerpoint/2010/main" val="145889380"/>
-      </p:ext>
-    </p:extLst>
-  </p:cSld>
-  <p:clrMapOvr>
-    <a:masterClrMapping/>
-  </p:clrMapOvr>
-</p:sld>
-</file>
-
 <file path=ppt/theme/theme1.xml><?xml version="1.0" encoding="utf-8"?>
 <a:theme xmlns:a="http://schemas.openxmlformats.org/drawingml/2006/main" name="SavonVTI">
   <a:themeElements>
